--- a/DietApplication.pptx
+++ b/DietApplication.pptx
@@ -303,7 +303,7 @@
           <a:p>
             <a:fld id="{B4AE5353-29CC-4B13-98C2-0EFDCF7A52BD}" type="datetimeFigureOut">
               <a:rPr lang="en-US" smtClean="0"/>
-              <a:t>2/29/2016</a:t>
+              <a:t>7/20/2016</a:t>
             </a:fld>
             <a:endParaRPr lang="en-US"/>
           </a:p>
@@ -641,7 +641,7 @@
           <a:p>
             <a:fld id="{B4AE5353-29CC-4B13-98C2-0EFDCF7A52BD}" type="datetimeFigureOut">
               <a:rPr lang="en-US" smtClean="0"/>
-              <a:t>2/29/2016</a:t>
+              <a:t>7/20/2016</a:t>
             </a:fld>
             <a:endParaRPr lang="en-US"/>
           </a:p>
@@ -1042,7 +1042,7 @@
           <a:p>
             <a:fld id="{B4AE5353-29CC-4B13-98C2-0EFDCF7A52BD}" type="datetimeFigureOut">
               <a:rPr lang="en-US" smtClean="0"/>
-              <a:t>2/29/2016</a:t>
+              <a:t>7/20/2016</a:t>
             </a:fld>
             <a:endParaRPr lang="en-US"/>
           </a:p>
@@ -1378,7 +1378,7 @@
           <a:p>
             <a:fld id="{B4AE5353-29CC-4B13-98C2-0EFDCF7A52BD}" type="datetimeFigureOut">
               <a:rPr lang="en-US" smtClean="0"/>
-              <a:t>2/29/2016</a:t>
+              <a:t>7/20/2016</a:t>
             </a:fld>
             <a:endParaRPr lang="en-US"/>
           </a:p>
@@ -1698,7 +1698,7 @@
           <a:p>
             <a:fld id="{B4AE5353-29CC-4B13-98C2-0EFDCF7A52BD}" type="datetimeFigureOut">
               <a:rPr lang="en-US" smtClean="0"/>
-              <a:t>2/29/2016</a:t>
+              <a:t>7/20/2016</a:t>
             </a:fld>
             <a:endParaRPr lang="en-US"/>
           </a:p>
@@ -2094,7 +2094,7 @@
           <a:p>
             <a:fld id="{B4AE5353-29CC-4B13-98C2-0EFDCF7A52BD}" type="datetimeFigureOut">
               <a:rPr lang="en-US" smtClean="0"/>
-              <a:t>2/29/2016</a:t>
+              <a:t>7/20/2016</a:t>
             </a:fld>
             <a:endParaRPr lang="en-US"/>
           </a:p>
@@ -2351,7 +2351,7 @@
           <a:p>
             <a:fld id="{B4AE5353-29CC-4B13-98C2-0EFDCF7A52BD}" type="datetimeFigureOut">
               <a:rPr lang="en-US" smtClean="0"/>
-              <a:t>2/29/2016</a:t>
+              <a:t>7/20/2016</a:t>
             </a:fld>
             <a:endParaRPr lang="en-US"/>
           </a:p>
@@ -2613,7 +2613,7 @@
           <a:p>
             <a:fld id="{B4AE5353-29CC-4B13-98C2-0EFDCF7A52BD}" type="datetimeFigureOut">
               <a:rPr lang="en-US" smtClean="0"/>
-              <a:t>2/29/2016</a:t>
+              <a:t>7/20/2016</a:t>
             </a:fld>
             <a:endParaRPr lang="en-US"/>
           </a:p>
@@ -2875,7 +2875,7 @@
           <a:p>
             <a:fld id="{B4AE5353-29CC-4B13-98C2-0EFDCF7A52BD}" type="datetimeFigureOut">
               <a:rPr lang="en-US" smtClean="0"/>
-              <a:t>2/29/2016</a:t>
+              <a:t>7/20/2016</a:t>
             </a:fld>
             <a:endParaRPr lang="en-US"/>
           </a:p>
@@ -3204,7 +3204,7 @@
           <a:p>
             <a:fld id="{B4AE5353-29CC-4B13-98C2-0EFDCF7A52BD}" type="datetimeFigureOut">
               <a:rPr lang="en-US" smtClean="0"/>
-              <a:t>2/29/2016</a:t>
+              <a:t>7/20/2016</a:t>
             </a:fld>
             <a:endParaRPr lang="en-US"/>
           </a:p>
@@ -3527,7 +3527,7 @@
           <a:p>
             <a:fld id="{B4AE5353-29CC-4B13-98C2-0EFDCF7A52BD}" type="datetimeFigureOut">
               <a:rPr lang="en-US" smtClean="0"/>
-              <a:t>2/29/2016</a:t>
+              <a:t>7/20/2016</a:t>
             </a:fld>
             <a:endParaRPr lang="en-US"/>
           </a:p>
@@ -3984,7 +3984,7 @@
           <a:p>
             <a:fld id="{B4AE5353-29CC-4B13-98C2-0EFDCF7A52BD}" type="datetimeFigureOut">
               <a:rPr lang="en-US" smtClean="0"/>
-              <a:t>2/29/2016</a:t>
+              <a:t>7/20/2016</a:t>
             </a:fld>
             <a:endParaRPr lang="en-US"/>
           </a:p>
@@ -4189,7 +4189,7 @@
           <a:p>
             <a:fld id="{B4AE5353-29CC-4B13-98C2-0EFDCF7A52BD}" type="datetimeFigureOut">
               <a:rPr lang="en-US" smtClean="0"/>
-              <a:t>2/29/2016</a:t>
+              <a:t>7/20/2016</a:t>
             </a:fld>
             <a:endParaRPr lang="en-US"/>
           </a:p>
@@ -4366,7 +4366,7 @@
           <a:p>
             <a:fld id="{B4AE5353-29CC-4B13-98C2-0EFDCF7A52BD}" type="datetimeFigureOut">
               <a:rPr lang="en-US" smtClean="0"/>
-              <a:t>2/29/2016</a:t>
+              <a:t>7/20/2016</a:t>
             </a:fld>
             <a:endParaRPr lang="en-US"/>
           </a:p>
@@ -4699,7 +4699,7 @@
           <a:p>
             <a:fld id="{B4AE5353-29CC-4B13-98C2-0EFDCF7A52BD}" type="datetimeFigureOut">
               <a:rPr lang="en-US" smtClean="0"/>
-              <a:t>2/29/2016</a:t>
+              <a:t>7/20/2016</a:t>
             </a:fld>
             <a:endParaRPr lang="en-US"/>
           </a:p>
@@ -5044,7 +5044,7 @@
           <a:p>
             <a:fld id="{B4AE5353-29CC-4B13-98C2-0EFDCF7A52BD}" type="datetimeFigureOut">
               <a:rPr lang="en-US" smtClean="0"/>
-              <a:t>2/29/2016</a:t>
+              <a:t>7/20/2016</a:t>
             </a:fld>
             <a:endParaRPr lang="en-US"/>
           </a:p>
@@ -7161,7 +7161,7 @@
           <a:p>
             <a:fld id="{B4AE5353-29CC-4B13-98C2-0EFDCF7A52BD}" type="datetimeFigureOut">
               <a:rPr lang="en-US" smtClean="0"/>
-              <a:t>2/29/2016</a:t>
+              <a:t>7/20/2016</a:t>
             </a:fld>
             <a:endParaRPr lang="en-US"/>
           </a:p>
@@ -7770,6 +7770,13 @@
   <p:clrMapOvr>
     <a:masterClrMapping/>
   </p:clrMapOvr>
+  <p:timing>
+    <p:tnLst>
+      <p:par>
+        <p:cTn id="1" dur="indefinite" restart="never" nodeType="tmRoot"/>
+      </p:par>
+    </p:tnLst>
+  </p:timing>
 </p:sld>
 </file>
 
@@ -7816,19 +7823,31 @@
             <a:endParaRPr lang="he-IL" dirty="0" smtClean="0"/>
           </a:p>
           <a:p>
-            <a:pPr marL="0" indent="0" algn="r">
+            <a:pPr marL="0" indent="0" algn="r" rtl="1">
               <a:buNone/>
             </a:pPr>
             <a:r>
-              <a:rPr lang="he-IL" dirty="0" smtClean="0">
-                <a:latin typeface="Guttman-Aharoni" panose="02010701010101010101" pitchFamily="2" charset="-79"/>
-                <a:cs typeface="Guttman-Aharoni" panose="02010701010101010101" pitchFamily="2" charset="-79"/>
+              <a:rPr lang="he-IL" sz="2000" dirty="0" smtClean="0">
+                <a:latin typeface="Gisha" panose="020B0502040204020203" pitchFamily="34" charset="-79"/>
+                <a:cs typeface="Gisha" panose="020B0502040204020203" pitchFamily="34" charset="-79"/>
+              </a:rPr>
+              <a:t>שלום,</a:t>
+            </a:r>
+          </a:p>
+          <a:p>
+            <a:pPr marL="0" indent="0" algn="r" rtl="1">
+              <a:buNone/>
+            </a:pPr>
+            <a:r>
+              <a:rPr lang="he-IL" sz="2000" dirty="0" smtClean="0">
+                <a:latin typeface="Gisha" panose="020B0502040204020203" pitchFamily="34" charset="-79"/>
+                <a:cs typeface="Gisha" panose="020B0502040204020203" pitchFamily="34" charset="-79"/>
               </a:rPr>
               <a:t>שמי יורם,</a:t>
             </a:r>
-            <a:endParaRPr lang="he-IL" dirty="0">
-              <a:latin typeface="Guttman-Aharoni" panose="02010701010101010101" pitchFamily="2" charset="-79"/>
-              <a:cs typeface="Guttman-Aharoni" panose="02010701010101010101" pitchFamily="2" charset="-79"/>
+            <a:endParaRPr lang="he-IL" sz="2000" dirty="0">
+              <a:latin typeface="Gisha" panose="020B0502040204020203" pitchFamily="34" charset="-79"/>
+              <a:cs typeface="Gisha" panose="020B0502040204020203" pitchFamily="34" charset="-79"/>
             </a:endParaRPr>
           </a:p>
           <a:p>
@@ -7836,45 +7855,49 @@
               <a:buNone/>
             </a:pPr>
             <a:r>
-              <a:rPr lang="he-IL" dirty="0" smtClean="0">
-                <a:latin typeface="Guttman-Aharoni" panose="02010701010101010101" pitchFamily="2" charset="-79"/>
-                <a:cs typeface="Guttman-Aharoni" panose="02010701010101010101" pitchFamily="2" charset="-79"/>
+              <a:rPr lang="he-IL" sz="2000" dirty="0" smtClean="0">
+                <a:latin typeface="Gisha" panose="020B0502040204020203" pitchFamily="34" charset="-79"/>
+                <a:cs typeface="Gisha" panose="020B0502040204020203" pitchFamily="34" charset="-79"/>
               </a:rPr>
               <a:t>לצערי אני נמנה על רשימת האנשים ה"רחבים"</a:t>
             </a:r>
             <a:r>
-              <a:rPr lang="en-US" dirty="0" smtClean="0">
-                <a:cs typeface="Guttman-Aharoni" panose="02010701010101010101" pitchFamily="2" charset="-79"/>
+              <a:rPr lang="en-US" sz="2000" dirty="0" smtClean="0">
+                <a:latin typeface="Gisha" panose="020B0502040204020203" pitchFamily="34" charset="-79"/>
+                <a:cs typeface="Gisha" panose="020B0502040204020203" pitchFamily="34" charset="-79"/>
               </a:rPr>
               <a:t/>
             </a:r>
             <a:br>
-              <a:rPr lang="en-US" dirty="0" smtClean="0">
-                <a:cs typeface="Guttman-Aharoni" panose="02010701010101010101" pitchFamily="2" charset="-79"/>
+              <a:rPr lang="en-US" sz="2000" dirty="0" smtClean="0">
+                <a:latin typeface="Gisha" panose="020B0502040204020203" pitchFamily="34" charset="-79"/>
+                <a:cs typeface="Gisha" panose="020B0502040204020203" pitchFamily="34" charset="-79"/>
               </a:rPr>
             </a:br>
             <a:r>
-              <a:rPr lang="he-IL" dirty="0" smtClean="0">
-                <a:latin typeface="Guttman-Aharoni" panose="02010701010101010101" pitchFamily="2" charset="-79"/>
-                <a:cs typeface="Guttman-Aharoni" panose="02010701010101010101" pitchFamily="2" charset="-79"/>
+              <a:rPr lang="he-IL" sz="2000" dirty="0" smtClean="0">
+                <a:latin typeface="Gisha" panose="020B0502040204020203" pitchFamily="34" charset="-79"/>
+                <a:cs typeface="Gisha" panose="020B0502040204020203" pitchFamily="34" charset="-79"/>
               </a:rPr>
               <a:t>במשך השנים אני מנסה דיאטה אחר דיאטה ללא הצלחה כלל.</a:t>
             </a:r>
             <a:r>
-              <a:rPr lang="en-US" dirty="0">
-                <a:cs typeface="Guttman-Aharoni" panose="02010701010101010101" pitchFamily="2" charset="-79"/>
+              <a:rPr lang="en-US" sz="2000" dirty="0">
+                <a:latin typeface="Gisha" panose="020B0502040204020203" pitchFamily="34" charset="-79"/>
+                <a:cs typeface="Gisha" panose="020B0502040204020203" pitchFamily="34" charset="-79"/>
               </a:rPr>
               <a:t/>
             </a:r>
             <a:br>
-              <a:rPr lang="en-US" dirty="0">
-                <a:cs typeface="Guttman-Aharoni" panose="02010701010101010101" pitchFamily="2" charset="-79"/>
+              <a:rPr lang="en-US" sz="2000" dirty="0">
+                <a:latin typeface="Gisha" panose="020B0502040204020203" pitchFamily="34" charset="-79"/>
+                <a:cs typeface="Gisha" panose="020B0502040204020203" pitchFamily="34" charset="-79"/>
               </a:rPr>
             </a:br>
             <a:r>
-              <a:rPr lang="he-IL" dirty="0" smtClean="0">
-                <a:latin typeface="Guttman-Aharoni" panose="02010701010101010101" pitchFamily="2" charset="-79"/>
-                <a:cs typeface="Guttman-Aharoni" panose="02010701010101010101" pitchFamily="2" charset="-79"/>
+              <a:rPr lang="he-IL" sz="2000" dirty="0" smtClean="0">
+                <a:latin typeface="Gisha" panose="020B0502040204020203" pitchFamily="34" charset="-79"/>
+                <a:cs typeface="Gisha" panose="020B0502040204020203" pitchFamily="34" charset="-79"/>
               </a:rPr>
               <a:t>לאחרונה הבנתי כי אחד המוקשים שלי הוא הקושי והסרבול הכרוך בחישוב הקלוריות על כל נגיסה וטעימה.</a:t>
             </a:r>
@@ -7884,27 +7907,29 @@
               <a:buNone/>
             </a:pPr>
             <a:r>
-              <a:rPr lang="he-IL" dirty="0" smtClean="0">
-                <a:latin typeface="Guttman-Aharoni" panose="02010701010101010101" pitchFamily="2" charset="-79"/>
-                <a:cs typeface="Guttman-Aharoni" panose="02010701010101010101" pitchFamily="2" charset="-79"/>
+              <a:rPr lang="he-IL" sz="2000" dirty="0" smtClean="0">
+                <a:latin typeface="Gisha" panose="020B0502040204020203" pitchFamily="34" charset="-79"/>
+                <a:cs typeface="Gisha" panose="020B0502040204020203" pitchFamily="34" charset="-79"/>
               </a:rPr>
               <a:t> </a:t>
             </a:r>
             <a:r>
-              <a:rPr lang="en-US" dirty="0" smtClean="0">
-                <a:cs typeface="Guttman-Aharoni" panose="02010701010101010101" pitchFamily="2" charset="-79"/>
+              <a:rPr lang="en-US" sz="2000" dirty="0" smtClean="0">
+                <a:latin typeface="Gisha" panose="020B0502040204020203" pitchFamily="34" charset="-79"/>
+                <a:cs typeface="Gisha" panose="020B0502040204020203" pitchFamily="34" charset="-79"/>
               </a:rPr>
               <a:t/>
             </a:r>
             <a:br>
-              <a:rPr lang="en-US" dirty="0" smtClean="0">
-                <a:cs typeface="Guttman-Aharoni" panose="02010701010101010101" pitchFamily="2" charset="-79"/>
+              <a:rPr lang="en-US" sz="2000" dirty="0" smtClean="0">
+                <a:latin typeface="Gisha" panose="020B0502040204020203" pitchFamily="34" charset="-79"/>
+                <a:cs typeface="Gisha" panose="020B0502040204020203" pitchFamily="34" charset="-79"/>
               </a:rPr>
             </a:br>
             <a:r>
-              <a:rPr lang="he-IL" dirty="0" smtClean="0">
-                <a:latin typeface="Guttman-Aharoni" panose="02010701010101010101" pitchFamily="2" charset="-79"/>
-                <a:cs typeface="Guttman-Aharoni" panose="02010701010101010101" pitchFamily="2" charset="-79"/>
+              <a:rPr lang="he-IL" sz="2000" dirty="0" smtClean="0">
+                <a:latin typeface="Gisha" panose="020B0502040204020203" pitchFamily="34" charset="-79"/>
+                <a:cs typeface="Gisha" panose="020B0502040204020203" pitchFamily="34" charset="-79"/>
               </a:rPr>
               <a:t>מעבר לפן המתמטי, שלא חזק אצלי במיוחד, מטריד אותי מאד לאחוז ראש ולזכור כל הזמן "כמה אכלתי?" "כמה עוד נשאר לי?".</a:t>
             </a:r>
@@ -7914,56 +7939,62 @@
               <a:buNone/>
             </a:pPr>
             <a:r>
-              <a:rPr lang="en-US" dirty="0" smtClean="0">
-                <a:cs typeface="Guttman-Aharoni" panose="02010701010101010101" pitchFamily="2" charset="-79"/>
+              <a:rPr lang="en-US" sz="2000" dirty="0" smtClean="0">
+                <a:latin typeface="Gisha" panose="020B0502040204020203" pitchFamily="34" charset="-79"/>
+                <a:cs typeface="Gisha" panose="020B0502040204020203" pitchFamily="34" charset="-79"/>
               </a:rPr>
               <a:t/>
             </a:r>
             <a:br>
-              <a:rPr lang="en-US" dirty="0" smtClean="0">
-                <a:cs typeface="Guttman-Aharoni" panose="02010701010101010101" pitchFamily="2" charset="-79"/>
+              <a:rPr lang="en-US" sz="2000" dirty="0" smtClean="0">
+                <a:latin typeface="Gisha" panose="020B0502040204020203" pitchFamily="34" charset="-79"/>
+                <a:cs typeface="Gisha" panose="020B0502040204020203" pitchFamily="34" charset="-79"/>
               </a:rPr>
             </a:br>
             <a:r>
-              <a:rPr lang="he-IL" dirty="0" smtClean="0">
-                <a:latin typeface="Guttman-Aharoni" panose="02010701010101010101" pitchFamily="2" charset="-79"/>
-                <a:cs typeface="Guttman-Aharoni" panose="02010701010101010101" pitchFamily="2" charset="-79"/>
+              <a:rPr lang="he-IL" sz="2000" dirty="0" smtClean="0">
+                <a:latin typeface="Gisha" panose="020B0502040204020203" pitchFamily="34" charset="-79"/>
+                <a:cs typeface="Gisha" panose="020B0502040204020203" pitchFamily="34" charset="-79"/>
               </a:rPr>
               <a:t>בנוסף לכך, גם כשאני מתעקש לאכול לפי הכללים אני ניתקל בקושי</a:t>
             </a:r>
             <a:r>
-              <a:rPr lang="en-US" dirty="0" smtClean="0">
-                <a:cs typeface="Guttman-Aharoni" panose="02010701010101010101" pitchFamily="2" charset="-79"/>
+              <a:rPr lang="en-US" sz="2000" dirty="0" smtClean="0">
+                <a:latin typeface="Gisha" panose="020B0502040204020203" pitchFamily="34" charset="-79"/>
+                <a:cs typeface="Gisha" panose="020B0502040204020203" pitchFamily="34" charset="-79"/>
               </a:rPr>
               <a:t/>
             </a:r>
             <a:br>
-              <a:rPr lang="en-US" dirty="0" smtClean="0">
-                <a:cs typeface="Guttman-Aharoni" panose="02010701010101010101" pitchFamily="2" charset="-79"/>
+              <a:rPr lang="en-US" sz="2000" dirty="0" smtClean="0">
+                <a:latin typeface="Gisha" panose="020B0502040204020203" pitchFamily="34" charset="-79"/>
+                <a:cs typeface="Gisha" panose="020B0502040204020203" pitchFamily="34" charset="-79"/>
               </a:rPr>
             </a:br>
             <a:r>
-              <a:rPr lang="he-IL" dirty="0" smtClean="0">
-                <a:latin typeface="Guttman-Aharoni" panose="02010701010101010101" pitchFamily="2" charset="-79"/>
-                <a:cs typeface="Guttman-Aharoni" panose="02010701010101010101" pitchFamily="2" charset="-79"/>
+              <a:rPr lang="he-IL" sz="2000" dirty="0" smtClean="0">
+                <a:latin typeface="Gisha" panose="020B0502040204020203" pitchFamily="34" charset="-79"/>
+                <a:cs typeface="Gisha" panose="020B0502040204020203" pitchFamily="34" charset="-79"/>
               </a:rPr>
               <a:t>להרכיב ארוחה מאוזנת הכוללת את כל אבות המזון שלא עולה </a:t>
             </a:r>
             <a:r>
-              <a:rPr lang="en-US" dirty="0" smtClean="0">
-                <a:cs typeface="Guttman-Aharoni" panose="02010701010101010101" pitchFamily="2" charset="-79"/>
+              <a:rPr lang="en-US" sz="2000" dirty="0" smtClean="0">
+                <a:latin typeface="Gisha" panose="020B0502040204020203" pitchFamily="34" charset="-79"/>
+                <a:cs typeface="Gisha" panose="020B0502040204020203" pitchFamily="34" charset="-79"/>
               </a:rPr>
               <a:t/>
             </a:r>
             <a:br>
-              <a:rPr lang="en-US" dirty="0" smtClean="0">
-                <a:cs typeface="Guttman-Aharoni" panose="02010701010101010101" pitchFamily="2" charset="-79"/>
+              <a:rPr lang="en-US" sz="2000" dirty="0" smtClean="0">
+                <a:latin typeface="Gisha" panose="020B0502040204020203" pitchFamily="34" charset="-79"/>
+                <a:cs typeface="Gisha" panose="020B0502040204020203" pitchFamily="34" charset="-79"/>
               </a:rPr>
             </a:br>
             <a:r>
-              <a:rPr lang="he-IL" dirty="0" smtClean="0">
-                <a:latin typeface="Guttman-Aharoni" panose="02010701010101010101" pitchFamily="2" charset="-79"/>
-                <a:cs typeface="Guttman-Aharoni" panose="02010701010101010101" pitchFamily="2" charset="-79"/>
+              <a:rPr lang="he-IL" sz="2000" dirty="0" smtClean="0">
+                <a:latin typeface="Gisha" panose="020B0502040204020203" pitchFamily="34" charset="-79"/>
+                <a:cs typeface="Gisha" panose="020B0502040204020203" pitchFamily="34" charset="-79"/>
               </a:rPr>
               <a:t>על סך הקלוריות הרצויות.</a:t>
             </a:r>
@@ -8050,6 +8081,13 @@
   <p:clrMapOvr>
     <a:masterClrMapping/>
   </p:clrMapOvr>
+  <p:timing>
+    <p:tnLst>
+      <p:par>
+        <p:cTn id="1" dur="indefinite" restart="never" nodeType="tmRoot"/>
+      </p:par>
+    </p:tnLst>
+  </p:timing>
 </p:sld>
 </file>
 
@@ -8095,9 +8133,9 @@
             <a:pPr algn="ctr"/>
             <a:r>
               <a:rPr lang="he-IL" sz="6600" dirty="0">
-                <a:latin typeface="Guttman-Aharoni" panose="02010701010101010101" pitchFamily="2" charset="-79"/>
+                <a:latin typeface="Gisha" panose="020B0502040204020203" pitchFamily="34" charset="-79"/>
                 <a:ea typeface="+mn-ea"/>
-                <a:cs typeface="Guttman-Aharoni" panose="02010701010101010101" pitchFamily="2" charset="-79"/>
+                <a:cs typeface="Gisha" panose="020B0502040204020203" pitchFamily="34" charset="-79"/>
               </a:rPr>
               <a:t>ההצעה שלנו:  </a:t>
             </a:r>
@@ -8127,68 +8165,69 @@
         </p:nvSpPr>
         <p:spPr>
           <a:xfrm>
-            <a:off x="3037062" y="2342606"/>
+            <a:off x="3118948" y="2642856"/>
             <a:ext cx="8915400" cy="3777622"/>
           </a:xfrm>
         </p:spPr>
         <p:txBody>
           <a:bodyPr>
-            <a:normAutofit/>
+            <a:noAutofit/>
           </a:bodyPr>
           <a:lstStyle/>
           <a:p>
             <a:pPr algn="r" rtl="1"/>
             <a:r>
-              <a:rPr lang="he-IL" dirty="0" err="1">
-                <a:latin typeface="Guttman-Aharoni" panose="02010701010101010101" pitchFamily="2" charset="-79"/>
-                <a:cs typeface="Guttman-Aharoni" panose="02010701010101010101" pitchFamily="2" charset="-79"/>
+              <a:rPr lang="he-IL" sz="2000" dirty="0" err="1">
+                <a:latin typeface="Gisha" panose="020B0502040204020203" pitchFamily="34" charset="-79"/>
+                <a:cs typeface="Gisha" panose="020B0502040204020203" pitchFamily="34" charset="-79"/>
               </a:rPr>
               <a:t>בעזרתינו</a:t>
             </a:r>
             <a:r>
-              <a:rPr lang="he-IL" dirty="0">
-                <a:latin typeface="Guttman-Aharoni" panose="02010701010101010101" pitchFamily="2" charset="-79"/>
-                <a:cs typeface="Guttman-Aharoni" panose="02010701010101010101" pitchFamily="2" charset="-79"/>
+              <a:rPr lang="he-IL" sz="2000" dirty="0">
+                <a:latin typeface="Gisha" panose="020B0502040204020203" pitchFamily="34" charset="-79"/>
+                <a:cs typeface="Gisha" panose="020B0502040204020203" pitchFamily="34" charset="-79"/>
               </a:rPr>
               <a:t> תוכלו לחשב את הקלוריות המותרות לכם והנותרות לכם </a:t>
             </a:r>
             <a:r>
-              <a:rPr lang="en-US" dirty="0">
-                <a:latin typeface="Guttman-Aharoni" panose="02010701010101010101" pitchFamily="2" charset="-79"/>
-                <a:cs typeface="Guttman-Aharoni" panose="02010701010101010101" pitchFamily="2" charset="-79"/>
+              <a:rPr lang="en-US" sz="2000" dirty="0">
+                <a:latin typeface="Gisha" panose="020B0502040204020203" pitchFamily="34" charset="-79"/>
+                <a:cs typeface="Gisha" panose="020B0502040204020203" pitchFamily="34" charset="-79"/>
               </a:rPr>
               <a:t/>
             </a:r>
             <a:br>
-              <a:rPr lang="en-US" dirty="0">
-                <a:latin typeface="Guttman-Aharoni" panose="02010701010101010101" pitchFamily="2" charset="-79"/>
-                <a:cs typeface="Guttman-Aharoni" panose="02010701010101010101" pitchFamily="2" charset="-79"/>
+              <a:rPr lang="en-US" sz="2000" dirty="0">
+                <a:latin typeface="Gisha" panose="020B0502040204020203" pitchFamily="34" charset="-79"/>
+                <a:cs typeface="Gisha" panose="020B0502040204020203" pitchFamily="34" charset="-79"/>
               </a:rPr>
             </a:br>
             <a:r>
-              <a:rPr lang="he-IL" dirty="0">
-                <a:latin typeface="Guttman-Aharoni" panose="02010701010101010101" pitchFamily="2" charset="-79"/>
-                <a:cs typeface="Guttman-Aharoni" panose="02010701010101010101" pitchFamily="2" charset="-79"/>
+              <a:rPr lang="he-IL" sz="2000" dirty="0">
+                <a:latin typeface="Gisha" panose="020B0502040204020203" pitchFamily="34" charset="-79"/>
+                <a:cs typeface="Gisha" panose="020B0502040204020203" pitchFamily="34" charset="-79"/>
               </a:rPr>
               <a:t>בצורה פשוטה ונוחה. </a:t>
             </a:r>
             <a:r>
-              <a:rPr lang="en-US" dirty="0" err="1" smtClean="0">
-                <a:cs typeface="Guttman-Aharoni" panose="02010701010101010101" pitchFamily="2" charset="-79"/>
+              <a:rPr lang="en-US" sz="2000" dirty="0" err="1" smtClean="0">
+                <a:latin typeface="Gisha" panose="020B0502040204020203" pitchFamily="34" charset="-79"/>
+                <a:cs typeface="Gisha" panose="020B0502040204020203" pitchFamily="34" charset="-79"/>
               </a:rPr>
               <a:t>calculight</a:t>
             </a:r>
             <a:r>
-              <a:rPr lang="he-IL" dirty="0" smtClean="0">
-                <a:latin typeface="Guttman-Aharoni" panose="02010701010101010101" pitchFamily="2" charset="-79"/>
-                <a:cs typeface="Guttman-Aharoni" panose="02010701010101010101" pitchFamily="2" charset="-79"/>
+              <a:rPr lang="he-IL" sz="2000" dirty="0" smtClean="0">
+                <a:latin typeface="Gisha" panose="020B0502040204020203" pitchFamily="34" charset="-79"/>
+                <a:cs typeface="Gisha" panose="020B0502040204020203" pitchFamily="34" charset="-79"/>
               </a:rPr>
               <a:t> </a:t>
             </a:r>
             <a:r>
-              <a:rPr lang="he-IL" dirty="0">
-                <a:latin typeface="Guttman-Aharoni" panose="02010701010101010101" pitchFamily="2" charset="-79"/>
-                <a:cs typeface="Guttman-Aharoni" panose="02010701010101010101" pitchFamily="2" charset="-79"/>
+              <a:rPr lang="he-IL" sz="2000" dirty="0">
+                <a:latin typeface="Gisha" panose="020B0502040204020203" pitchFamily="34" charset="-79"/>
+                <a:cs typeface="Gisha" panose="020B0502040204020203" pitchFamily="34" charset="-79"/>
               </a:rPr>
               <a:t>יזכור בעבורכם כמה אכלתם ויחשב לכם כמה עוד נשאר לכם מתוך הקצובה היומית בהתאם לדיאטה שבחרתם.</a:t>
             </a:r>
@@ -8196,161 +8235,167 @@
           <a:p>
             <a:pPr algn="r" rtl="1"/>
             <a:r>
-              <a:rPr lang="en-US" dirty="0" err="1">
-                <a:cs typeface="Guttman-Aharoni" panose="02010701010101010101" pitchFamily="2" charset="-79"/>
+              <a:rPr lang="en-US" sz="2000" dirty="0" err="1">
+                <a:latin typeface="Gisha" panose="020B0502040204020203" pitchFamily="34" charset="-79"/>
+                <a:cs typeface="Gisha" panose="020B0502040204020203" pitchFamily="34" charset="-79"/>
               </a:rPr>
               <a:t>calculight</a:t>
             </a:r>
             <a:r>
-              <a:rPr lang="he-IL" dirty="0" smtClean="0">
-                <a:latin typeface="Guttman-Aharoni" panose="02010701010101010101" pitchFamily="2" charset="-79"/>
-                <a:cs typeface="Guttman-Aharoni" panose="02010701010101010101" pitchFamily="2" charset="-79"/>
+              <a:rPr lang="he-IL" sz="2000" dirty="0" smtClean="0">
+                <a:latin typeface="Gisha" panose="020B0502040204020203" pitchFamily="34" charset="-79"/>
+                <a:cs typeface="Gisha" panose="020B0502040204020203" pitchFamily="34" charset="-79"/>
               </a:rPr>
               <a:t> </a:t>
             </a:r>
             <a:r>
-              <a:rPr lang="he-IL" dirty="0">
-                <a:latin typeface="Guttman-Aharoni" panose="02010701010101010101" pitchFamily="2" charset="-79"/>
-                <a:cs typeface="Guttman-Aharoni" panose="02010701010101010101" pitchFamily="2" charset="-79"/>
+              <a:rPr lang="he-IL" sz="2000" dirty="0">
+                <a:latin typeface="Gisha" panose="020B0502040204020203" pitchFamily="34" charset="-79"/>
+                <a:cs typeface="Gisha" panose="020B0502040204020203" pitchFamily="34" charset="-79"/>
               </a:rPr>
               <a:t>גם תציע לכם תפריטים שונים ומגוונים, מאוזנים תזונתית, מותאמים ליתרת הקלוריות ומתאימים לסוג הארוחה שלכם: ארוחת בוקר, </a:t>
             </a:r>
             <a:r>
-              <a:rPr lang="he-IL" dirty="0" smtClean="0">
-                <a:latin typeface="Guttman-Aharoni" panose="02010701010101010101" pitchFamily="2" charset="-79"/>
-                <a:cs typeface="Guttman-Aharoni" panose="02010701010101010101" pitchFamily="2" charset="-79"/>
+              <a:rPr lang="he-IL" sz="2000" dirty="0" smtClean="0">
+                <a:latin typeface="Gisha" panose="020B0502040204020203" pitchFamily="34" charset="-79"/>
+                <a:cs typeface="Gisha" panose="020B0502040204020203" pitchFamily="34" charset="-79"/>
               </a:rPr>
               <a:t>נשנוש</a:t>
             </a:r>
             <a:r>
-              <a:rPr lang="he-IL" dirty="0">
-                <a:latin typeface="Guttman-Aharoni" panose="02010701010101010101" pitchFamily="2" charset="-79"/>
-                <a:cs typeface="Guttman-Aharoni" panose="02010701010101010101" pitchFamily="2" charset="-79"/>
+              <a:rPr lang="he-IL" sz="2000" dirty="0">
+                <a:latin typeface="Gisha" panose="020B0502040204020203" pitchFamily="34" charset="-79"/>
+                <a:cs typeface="Gisha" panose="020B0502040204020203" pitchFamily="34" charset="-79"/>
               </a:rPr>
               <a:t>, ארוחת ביניים, ארוחה עיקרית ועוד.</a:t>
             </a:r>
             <a:r>
-              <a:rPr lang="en-US" dirty="0">
-                <a:latin typeface="Guttman-Aharoni" panose="02010701010101010101" pitchFamily="2" charset="-79"/>
-                <a:cs typeface="Guttman-Aharoni" panose="02010701010101010101" pitchFamily="2" charset="-79"/>
+              <a:rPr lang="en-US" sz="2000" dirty="0">
+                <a:latin typeface="Gisha" panose="020B0502040204020203" pitchFamily="34" charset="-79"/>
+                <a:cs typeface="Gisha" panose="020B0502040204020203" pitchFamily="34" charset="-79"/>
               </a:rPr>
               <a:t/>
             </a:r>
             <a:br>
-              <a:rPr lang="en-US" dirty="0">
-                <a:latin typeface="Guttman-Aharoni" panose="02010701010101010101" pitchFamily="2" charset="-79"/>
-                <a:cs typeface="Guttman-Aharoni" panose="02010701010101010101" pitchFamily="2" charset="-79"/>
+              <a:rPr lang="en-US" sz="2000" dirty="0">
+                <a:latin typeface="Gisha" panose="020B0502040204020203" pitchFamily="34" charset="-79"/>
+                <a:cs typeface="Gisha" panose="020B0502040204020203" pitchFamily="34" charset="-79"/>
               </a:rPr>
             </a:br>
             <a:r>
-              <a:rPr lang="en-US" dirty="0" err="1">
-                <a:cs typeface="Guttman-Aharoni" panose="02010701010101010101" pitchFamily="2" charset="-79"/>
+              <a:rPr lang="en-US" sz="2000" dirty="0" err="1">
+                <a:latin typeface="Gisha" panose="020B0502040204020203" pitchFamily="34" charset="-79"/>
+                <a:cs typeface="Gisha" panose="020B0502040204020203" pitchFamily="34" charset="-79"/>
               </a:rPr>
               <a:t>calculight</a:t>
             </a:r>
             <a:r>
-              <a:rPr lang="he-IL" dirty="0" smtClean="0">
-                <a:latin typeface="Guttman-Aharoni" panose="02010701010101010101" pitchFamily="2" charset="-79"/>
-                <a:cs typeface="Guttman-Aharoni" panose="02010701010101010101" pitchFamily="2" charset="-79"/>
+              <a:rPr lang="he-IL" sz="2000" dirty="0" smtClean="0">
+                <a:latin typeface="Gisha" panose="020B0502040204020203" pitchFamily="34" charset="-79"/>
+                <a:cs typeface="Gisha" panose="020B0502040204020203" pitchFamily="34" charset="-79"/>
               </a:rPr>
               <a:t> </a:t>
             </a:r>
             <a:r>
-              <a:rPr lang="he-IL" dirty="0">
-                <a:latin typeface="Guttman-Aharoni" panose="02010701010101010101" pitchFamily="2" charset="-79"/>
-                <a:cs typeface="Guttman-Aharoni" panose="02010701010101010101" pitchFamily="2" charset="-79"/>
+              <a:rPr lang="he-IL" sz="2000" dirty="0">
+                <a:latin typeface="Gisha" panose="020B0502040204020203" pitchFamily="34" charset="-79"/>
+                <a:cs typeface="Gisha" panose="020B0502040204020203" pitchFamily="34" charset="-79"/>
               </a:rPr>
               <a:t>יעקוב אחריכם </a:t>
             </a:r>
             <a:r>
-              <a:rPr lang="he-IL" dirty="0" smtClean="0">
-                <a:latin typeface="Guttman-Aharoni" panose="02010701010101010101" pitchFamily="2" charset="-79"/>
-                <a:cs typeface="Guttman-Aharoni" panose="02010701010101010101" pitchFamily="2" charset="-79"/>
+              <a:rPr lang="he-IL" sz="2000" dirty="0" smtClean="0">
+                <a:latin typeface="Gisha" panose="020B0502040204020203" pitchFamily="34" charset="-79"/>
+                <a:cs typeface="Gisha" panose="020B0502040204020203" pitchFamily="34" charset="-79"/>
               </a:rPr>
               <a:t>וייתן </a:t>
             </a:r>
             <a:r>
-              <a:rPr lang="he-IL" dirty="0">
-                <a:latin typeface="Guttman-Aharoni" panose="02010701010101010101" pitchFamily="2" charset="-79"/>
-                <a:cs typeface="Guttman-Aharoni" panose="02010701010101010101" pitchFamily="2" charset="-79"/>
+              <a:rPr lang="he-IL" sz="2000" dirty="0">
+                <a:latin typeface="Gisha" panose="020B0502040204020203" pitchFamily="34" charset="-79"/>
+                <a:cs typeface="Gisha" panose="020B0502040204020203" pitchFamily="34" charset="-79"/>
               </a:rPr>
               <a:t>לכם תזכורות, התראות, ובונוסים בהתאם </a:t>
             </a:r>
             <a:r>
-              <a:rPr lang="en-US" dirty="0">
-                <a:latin typeface="Guttman-Aharoni" panose="02010701010101010101" pitchFamily="2" charset="-79"/>
-                <a:cs typeface="Guttman-Aharoni" panose="02010701010101010101" pitchFamily="2" charset="-79"/>
+              <a:rPr lang="en-US" sz="2000" dirty="0">
+                <a:latin typeface="Gisha" panose="020B0502040204020203" pitchFamily="34" charset="-79"/>
+                <a:cs typeface="Gisha" panose="020B0502040204020203" pitchFamily="34" charset="-79"/>
               </a:rPr>
               <a:t/>
             </a:r>
             <a:br>
-              <a:rPr lang="en-US" dirty="0">
-                <a:latin typeface="Guttman-Aharoni" panose="02010701010101010101" pitchFamily="2" charset="-79"/>
-                <a:cs typeface="Guttman-Aharoni" panose="02010701010101010101" pitchFamily="2" charset="-79"/>
+              <a:rPr lang="en-US" sz="2000" dirty="0">
+                <a:latin typeface="Gisha" panose="020B0502040204020203" pitchFamily="34" charset="-79"/>
+                <a:cs typeface="Gisha" panose="020B0502040204020203" pitchFamily="34" charset="-79"/>
               </a:rPr>
             </a:br>
             <a:r>
-              <a:rPr lang="he-IL" dirty="0">
-                <a:latin typeface="Guttman-Aharoni" panose="02010701010101010101" pitchFamily="2" charset="-79"/>
-                <a:cs typeface="Guttman-Aharoni" panose="02010701010101010101" pitchFamily="2" charset="-79"/>
+              <a:rPr lang="he-IL" sz="2000" dirty="0">
+                <a:latin typeface="Gisha" panose="020B0502040204020203" pitchFamily="34" charset="-79"/>
+                <a:cs typeface="Gisha" panose="020B0502040204020203" pitchFamily="34" charset="-79"/>
               </a:rPr>
               <a:t>למצבכם הקלורי.</a:t>
             </a:r>
             <a:r>
-              <a:rPr lang="en-US" dirty="0">
-                <a:latin typeface="Guttman-Aharoni" panose="02010701010101010101" pitchFamily="2" charset="-79"/>
-                <a:cs typeface="Guttman-Aharoni" panose="02010701010101010101" pitchFamily="2" charset="-79"/>
+              <a:rPr lang="en-US" sz="2000" dirty="0">
+                <a:latin typeface="Gisha" panose="020B0502040204020203" pitchFamily="34" charset="-79"/>
+                <a:cs typeface="Gisha" panose="020B0502040204020203" pitchFamily="34" charset="-79"/>
               </a:rPr>
               <a:t/>
             </a:r>
             <a:br>
-              <a:rPr lang="en-US" dirty="0">
-                <a:latin typeface="Guttman-Aharoni" panose="02010701010101010101" pitchFamily="2" charset="-79"/>
-                <a:cs typeface="Guttman-Aharoni" panose="02010701010101010101" pitchFamily="2" charset="-79"/>
+              <a:rPr lang="en-US" sz="2000" dirty="0">
+                <a:latin typeface="Gisha" panose="020B0502040204020203" pitchFamily="34" charset="-79"/>
+                <a:cs typeface="Gisha" panose="020B0502040204020203" pitchFamily="34" charset="-79"/>
               </a:rPr>
             </a:br>
             <a:r>
-              <a:rPr lang="he-IL" dirty="0">
-                <a:latin typeface="Guttman-Aharoni" panose="02010701010101010101" pitchFamily="2" charset="-79"/>
-                <a:cs typeface="Guttman-Aharoni" panose="02010701010101010101" pitchFamily="2" charset="-79"/>
+              <a:rPr lang="he-IL" sz="2000" dirty="0">
+                <a:latin typeface="Gisha" panose="020B0502040204020203" pitchFamily="34" charset="-79"/>
+                <a:cs typeface="Gisha" panose="020B0502040204020203" pitchFamily="34" charset="-79"/>
               </a:rPr>
               <a:t>כל מה שנדרש מכם הוא:</a:t>
             </a:r>
             <a:r>
-              <a:rPr lang="en-US" dirty="0">
-                <a:latin typeface="Guttman-Aharoni" panose="02010701010101010101" pitchFamily="2" charset="-79"/>
-                <a:cs typeface="Guttman-Aharoni" panose="02010701010101010101" pitchFamily="2" charset="-79"/>
+              <a:rPr lang="en-US" sz="2000" dirty="0">
+                <a:latin typeface="Gisha" panose="020B0502040204020203" pitchFamily="34" charset="-79"/>
+                <a:cs typeface="Gisha" panose="020B0502040204020203" pitchFamily="34" charset="-79"/>
               </a:rPr>
               <a:t/>
             </a:r>
             <a:br>
-              <a:rPr lang="en-US" dirty="0">
-                <a:latin typeface="Guttman-Aharoni" panose="02010701010101010101" pitchFamily="2" charset="-79"/>
-                <a:cs typeface="Guttman-Aharoni" panose="02010701010101010101" pitchFamily="2" charset="-79"/>
+              <a:rPr lang="en-US" sz="2000" dirty="0">
+                <a:latin typeface="Gisha" panose="020B0502040204020203" pitchFamily="34" charset="-79"/>
+                <a:cs typeface="Gisha" panose="020B0502040204020203" pitchFamily="34" charset="-79"/>
               </a:rPr>
             </a:br>
             <a:r>
-              <a:rPr lang="he-IL" dirty="0">
-                <a:latin typeface="Guttman-Aharoni" panose="02010701010101010101" pitchFamily="2" charset="-79"/>
-                <a:cs typeface="Guttman-Aharoni" panose="02010701010101010101" pitchFamily="2" charset="-79"/>
+              <a:rPr lang="he-IL" sz="2000" dirty="0">
+                <a:latin typeface="Gisha" panose="020B0502040204020203" pitchFamily="34" charset="-79"/>
+                <a:cs typeface="Gisha" panose="020B0502040204020203" pitchFamily="34" charset="-79"/>
               </a:rPr>
               <a:t>לעדכן מה אכלתם וכמה!!!</a:t>
             </a:r>
-            <a:endParaRPr lang="en-US" dirty="0">
-              <a:latin typeface="Guttman-Aharoni" panose="02010701010101010101" pitchFamily="2" charset="-79"/>
-              <a:cs typeface="Guttman-Aharoni" panose="02010701010101010101" pitchFamily="2" charset="-79"/>
+            <a:endParaRPr lang="en-US" sz="2000" dirty="0">
+              <a:latin typeface="Gisha" panose="020B0502040204020203" pitchFamily="34" charset="-79"/>
+              <a:cs typeface="Gisha" panose="020B0502040204020203" pitchFamily="34" charset="-79"/>
             </a:endParaRPr>
           </a:p>
           <a:p>
             <a:pPr algn="r" rtl="1"/>
             <a:r>
-              <a:rPr lang="en-US" dirty="0" smtClean="0"/>
+              <a:rPr lang="he-IL" sz="2000" dirty="0" smtClean="0"/>
+              <a:t>בתאבון...</a:t>
+            </a:r>
+            <a:r>
+              <a:rPr lang="en-US" sz="2000" dirty="0" smtClean="0"/>
               <a:t/>
             </a:r>
             <a:br>
-              <a:rPr lang="en-US" dirty="0" smtClean="0"/>
+              <a:rPr lang="en-US" sz="2000" dirty="0" smtClean="0"/>
             </a:br>
-            <a:endParaRPr lang="en-US" dirty="0"/>
+            <a:endParaRPr lang="en-US" sz="2000" dirty="0"/>
           </a:p>
         </p:txBody>
       </p:sp>
@@ -8402,6 +8447,13 @@
   <p:clrMapOvr>
     <a:masterClrMapping/>
   </p:clrMapOvr>
+  <p:timing>
+    <p:tnLst>
+      <p:par>
+        <p:cTn id="1" dur="indefinite" restart="never" nodeType="tmRoot"/>
+      </p:par>
+    </p:tnLst>
+  </p:timing>
 </p:sld>
 </file>
 
@@ -8476,7 +8528,7 @@
         </p:spPr>
         <p:txBody>
           <a:bodyPr>
-            <a:normAutofit fontScale="92500"/>
+            <a:normAutofit lnSpcReduction="10000"/>
           </a:bodyPr>
           <a:lstStyle/>
           <a:p>
@@ -8485,8 +8537,8 @@
             </a:pPr>
             <a:r>
               <a:rPr lang="he-IL" sz="2600" dirty="0">
-                <a:latin typeface="Guttman-Aharoni" panose="02010701010101010101" pitchFamily="2" charset="-79"/>
-                <a:cs typeface="Guttman-Aharoni" panose="02010701010101010101" pitchFamily="2" charset="-79"/>
+                <a:latin typeface="Gisha" panose="020B0502040204020203" pitchFamily="34" charset="-79"/>
+                <a:cs typeface="Gisha" panose="020B0502040204020203" pitchFamily="34" charset="-79"/>
               </a:rPr>
               <a:t>אז איך זה עובד?</a:t>
             </a:r>
@@ -8497,8 +8549,8 @@
             </a:pPr>
             <a:r>
               <a:rPr lang="he-IL" sz="2600" dirty="0">
-                <a:latin typeface="Guttman-Aharoni" panose="02010701010101010101" pitchFamily="2" charset="-79"/>
-                <a:cs typeface="Guttman-Aharoni" panose="02010701010101010101" pitchFamily="2" charset="-79"/>
+                <a:latin typeface="Gisha" panose="020B0502040204020203" pitchFamily="34" charset="-79"/>
+                <a:cs typeface="Gisha" panose="020B0502040204020203" pitchFamily="34" charset="-79"/>
               </a:rPr>
               <a:t> </a:t>
             </a:r>
@@ -8509,47 +8561,47 @@
             </a:pPr>
             <a:r>
               <a:rPr lang="he-IL" sz="2600" dirty="0">
-                <a:latin typeface="Guttman-Aharoni" panose="02010701010101010101" pitchFamily="2" charset="-79"/>
-                <a:cs typeface="Guttman-Aharoni" panose="02010701010101010101" pitchFamily="2" charset="-79"/>
+                <a:latin typeface="Gisha" panose="020B0502040204020203" pitchFamily="34" charset="-79"/>
+                <a:cs typeface="Gisha" panose="020B0502040204020203" pitchFamily="34" charset="-79"/>
               </a:rPr>
               <a:t>המשתמש מעדכן את האפליקציה עבור כל מאכל שאוכל:</a:t>
             </a:r>
             <a:r>
               <a:rPr lang="en-US" sz="2600" dirty="0">
-                <a:latin typeface="Guttman-Aharoni" panose="02010701010101010101" pitchFamily="2" charset="-79"/>
-                <a:cs typeface="Guttman-Aharoni" panose="02010701010101010101" pitchFamily="2" charset="-79"/>
+                <a:latin typeface="Gisha" panose="020B0502040204020203" pitchFamily="34" charset="-79"/>
+                <a:cs typeface="Gisha" panose="020B0502040204020203" pitchFamily="34" charset="-79"/>
               </a:rPr>
               <a:t/>
             </a:r>
             <a:br>
               <a:rPr lang="en-US" sz="2600" dirty="0">
-                <a:latin typeface="Guttman-Aharoni" panose="02010701010101010101" pitchFamily="2" charset="-79"/>
-                <a:cs typeface="Guttman-Aharoni" panose="02010701010101010101" pitchFamily="2" charset="-79"/>
+                <a:latin typeface="Gisha" panose="020B0502040204020203" pitchFamily="34" charset="-79"/>
+                <a:cs typeface="Gisha" panose="020B0502040204020203" pitchFamily="34" charset="-79"/>
               </a:rPr>
             </a:br>
             <a:r>
               <a:rPr lang="he-IL" sz="2600" dirty="0">
-                <a:latin typeface="Guttman-Aharoni" panose="02010701010101010101" pitchFamily="2" charset="-79"/>
-                <a:cs typeface="Guttman-Aharoni" panose="02010701010101010101" pitchFamily="2" charset="-79"/>
+                <a:latin typeface="Gisha" panose="020B0502040204020203" pitchFamily="34" charset="-79"/>
+                <a:cs typeface="Gisha" panose="020B0502040204020203" pitchFamily="34" charset="-79"/>
               </a:rPr>
               <a:t>באיזה מאכל מדובר וכמה אכל ממנו.</a:t>
             </a:r>
             <a:r>
               <a:rPr lang="en-US" sz="2600" dirty="0">
-                <a:latin typeface="Guttman-Aharoni" panose="02010701010101010101" pitchFamily="2" charset="-79"/>
-                <a:cs typeface="Guttman-Aharoni" panose="02010701010101010101" pitchFamily="2" charset="-79"/>
+                <a:latin typeface="Gisha" panose="020B0502040204020203" pitchFamily="34" charset="-79"/>
+                <a:cs typeface="Gisha" panose="020B0502040204020203" pitchFamily="34" charset="-79"/>
               </a:rPr>
               <a:t/>
             </a:r>
             <a:br>
               <a:rPr lang="en-US" sz="2600" dirty="0">
-                <a:latin typeface="Guttman-Aharoni" panose="02010701010101010101" pitchFamily="2" charset="-79"/>
-                <a:cs typeface="Guttman-Aharoni" panose="02010701010101010101" pitchFamily="2" charset="-79"/>
+                <a:latin typeface="Gisha" panose="020B0502040204020203" pitchFamily="34" charset="-79"/>
+                <a:cs typeface="Gisha" panose="020B0502040204020203" pitchFamily="34" charset="-79"/>
               </a:rPr>
             </a:br>
             <a:endParaRPr lang="he-IL" sz="2600" dirty="0">
-              <a:latin typeface="Guttman-Aharoni" panose="02010701010101010101" pitchFamily="2" charset="-79"/>
-              <a:cs typeface="Guttman-Aharoni" panose="02010701010101010101" pitchFamily="2" charset="-79"/>
+              <a:latin typeface="Gisha" panose="020B0502040204020203" pitchFamily="34" charset="-79"/>
+              <a:cs typeface="Gisha" panose="020B0502040204020203" pitchFamily="34" charset="-79"/>
             </a:endParaRPr>
           </a:p>
           <a:p>
@@ -8558,82 +8610,82 @@
             </a:pPr>
             <a:r>
               <a:rPr lang="he-IL" sz="2600" dirty="0">
-                <a:latin typeface="Guttman-Aharoni" panose="02010701010101010101" pitchFamily="2" charset="-79"/>
-                <a:cs typeface="Guttman-Aharoni" panose="02010701010101010101" pitchFamily="2" charset="-79"/>
+                <a:latin typeface="Gisha" panose="020B0502040204020203" pitchFamily="34" charset="-79"/>
+                <a:cs typeface="Gisha" panose="020B0502040204020203" pitchFamily="34" charset="-79"/>
               </a:rPr>
               <a:t>בפעם הראשונה בו מעדכנים על מאכל מסוים </a:t>
             </a:r>
             <a:r>
               <a:rPr lang="he-IL" sz="2600" dirty="0" smtClean="0">
-                <a:latin typeface="Guttman-Aharoni" panose="02010701010101010101" pitchFamily="2" charset="-79"/>
-                <a:cs typeface="Guttman-Aharoni" panose="02010701010101010101" pitchFamily="2" charset="-79"/>
+                <a:latin typeface="Gisha" panose="020B0502040204020203" pitchFamily="34" charset="-79"/>
+                <a:cs typeface="Gisha" panose="020B0502040204020203" pitchFamily="34" charset="-79"/>
               </a:rPr>
               <a:t>יידרש </a:t>
             </a:r>
             <a:r>
               <a:rPr lang="he-IL" sz="2600" dirty="0">
-                <a:latin typeface="Guttman-Aharoni" panose="02010701010101010101" pitchFamily="2" charset="-79"/>
-                <a:cs typeface="Guttman-Aharoni" panose="02010701010101010101" pitchFamily="2" charset="-79"/>
+                <a:latin typeface="Gisha" panose="020B0502040204020203" pitchFamily="34" charset="-79"/>
+                <a:cs typeface="Gisha" panose="020B0502040204020203" pitchFamily="34" charset="-79"/>
               </a:rPr>
               <a:t>מהמשתמש </a:t>
             </a:r>
             <a:r>
               <a:rPr lang="en-US" sz="2600" dirty="0">
-                <a:latin typeface="Guttman-Aharoni" panose="02010701010101010101" pitchFamily="2" charset="-79"/>
-                <a:cs typeface="Guttman-Aharoni" panose="02010701010101010101" pitchFamily="2" charset="-79"/>
+                <a:latin typeface="Gisha" panose="020B0502040204020203" pitchFamily="34" charset="-79"/>
+                <a:cs typeface="Gisha" panose="020B0502040204020203" pitchFamily="34" charset="-79"/>
               </a:rPr>
               <a:t/>
             </a:r>
             <a:br>
               <a:rPr lang="en-US" sz="2600" dirty="0">
-                <a:latin typeface="Guttman-Aharoni" panose="02010701010101010101" pitchFamily="2" charset="-79"/>
-                <a:cs typeface="Guttman-Aharoni" panose="02010701010101010101" pitchFamily="2" charset="-79"/>
+                <a:latin typeface="Gisha" panose="020B0502040204020203" pitchFamily="34" charset="-79"/>
+                <a:cs typeface="Gisha" panose="020B0502040204020203" pitchFamily="34" charset="-79"/>
               </a:rPr>
             </a:br>
             <a:r>
               <a:rPr lang="he-IL" sz="2600" dirty="0">
-                <a:latin typeface="Guttman-Aharoni" panose="02010701010101010101" pitchFamily="2" charset="-79"/>
-                <a:cs typeface="Guttman-Aharoni" panose="02010701010101010101" pitchFamily="2" charset="-79"/>
+                <a:latin typeface="Gisha" panose="020B0502040204020203" pitchFamily="34" charset="-79"/>
+                <a:cs typeface="Gisha" panose="020B0502040204020203" pitchFamily="34" charset="-79"/>
               </a:rPr>
               <a:t>להזין את ערכו הקלורי ל-100 גרם.</a:t>
             </a:r>
             <a:r>
               <a:rPr lang="en-US" sz="2600" dirty="0">
-                <a:latin typeface="Guttman-Aharoni" panose="02010701010101010101" pitchFamily="2" charset="-79"/>
-                <a:cs typeface="Guttman-Aharoni" panose="02010701010101010101" pitchFamily="2" charset="-79"/>
+                <a:latin typeface="Gisha" panose="020B0502040204020203" pitchFamily="34" charset="-79"/>
+                <a:cs typeface="Gisha" panose="020B0502040204020203" pitchFamily="34" charset="-79"/>
               </a:rPr>
               <a:t/>
             </a:r>
             <a:br>
               <a:rPr lang="en-US" sz="2600" dirty="0">
-                <a:latin typeface="Guttman-Aharoni" panose="02010701010101010101" pitchFamily="2" charset="-79"/>
-                <a:cs typeface="Guttman-Aharoni" panose="02010701010101010101" pitchFamily="2" charset="-79"/>
+                <a:latin typeface="Gisha" panose="020B0502040204020203" pitchFamily="34" charset="-79"/>
+                <a:cs typeface="Gisha" panose="020B0502040204020203" pitchFamily="34" charset="-79"/>
               </a:rPr>
             </a:br>
             <a:r>
               <a:rPr lang="he-IL" sz="2600" dirty="0">
-                <a:latin typeface="Guttman-Aharoni" panose="02010701010101010101" pitchFamily="2" charset="-79"/>
-                <a:cs typeface="Guttman-Aharoni" panose="02010701010101010101" pitchFamily="2" charset="-79"/>
+                <a:latin typeface="Gisha" panose="020B0502040204020203" pitchFamily="34" charset="-79"/>
+                <a:cs typeface="Gisha" panose="020B0502040204020203" pitchFamily="34" charset="-79"/>
               </a:rPr>
               <a:t>מכאן ואילך המאכל יהיה מוכר לאפליקציה וכך כל צריכה נוספת של המאכל </a:t>
             </a:r>
             <a:r>
               <a:rPr lang="en-US" sz="2600" dirty="0">
-                <a:latin typeface="Guttman-Aharoni" panose="02010701010101010101" pitchFamily="2" charset="-79"/>
-                <a:cs typeface="Guttman-Aharoni" panose="02010701010101010101" pitchFamily="2" charset="-79"/>
+                <a:latin typeface="Gisha" panose="020B0502040204020203" pitchFamily="34" charset="-79"/>
+                <a:cs typeface="Gisha" panose="020B0502040204020203" pitchFamily="34" charset="-79"/>
               </a:rPr>
               <a:t/>
             </a:r>
             <a:br>
               <a:rPr lang="en-US" sz="2600" dirty="0">
-                <a:latin typeface="Guttman-Aharoni" panose="02010701010101010101" pitchFamily="2" charset="-79"/>
-                <a:cs typeface="Guttman-Aharoni" panose="02010701010101010101" pitchFamily="2" charset="-79"/>
+                <a:latin typeface="Gisha" panose="020B0502040204020203" pitchFamily="34" charset="-79"/>
+                <a:cs typeface="Gisha" panose="020B0502040204020203" pitchFamily="34" charset="-79"/>
               </a:rPr>
             </a:br>
             <a:r>
               <a:rPr lang="he-IL" sz="2600" dirty="0">
-                <a:latin typeface="Guttman-Aharoni" panose="02010701010101010101" pitchFamily="2" charset="-79"/>
-                <a:cs typeface="Guttman-Aharoni" panose="02010701010101010101" pitchFamily="2" charset="-79"/>
+                <a:latin typeface="Gisha" panose="020B0502040204020203" pitchFamily="34" charset="-79"/>
+                <a:cs typeface="Gisha" panose="020B0502040204020203" pitchFamily="34" charset="-79"/>
               </a:rPr>
               <a:t>תדרוש כמות בלבד.</a:t>
             </a:r>
@@ -8695,6 +8747,13 @@
   <p:clrMapOvr>
     <a:masterClrMapping/>
   </p:clrMapOvr>
+  <p:timing>
+    <p:tnLst>
+      <p:par>
+        <p:cTn id="1" dur="indefinite" restart="never" nodeType="tmRoot"/>
+      </p:par>
+    </p:tnLst>
+  </p:timing>
 </p:sld>
 </file>
 
